--- a/Learning-Defensive-programming.pptx
+++ b/Learning-Defensive-programming.pptx
@@ -609,38 +609,7 @@
           <a:lstStyle/>
           <a:p>
             <a:r>
-              <a:rPr lang="zh-TW" altLang="en-US" dirty="0" smtClean="0"/>
-              <a:t>先判定進來的資料是不是</a:t>
-            </a:r>
-            <a:r>
-              <a:rPr lang="en-US" altLang="zh-TW" dirty="0" err="1" smtClean="0"/>
-              <a:t>Config</a:t>
-            </a:r>
-            <a:r>
-              <a:rPr lang="zh-TW" altLang="en-US" dirty="0" smtClean="0"/>
-              <a:t>物件，如果不是，先給</a:t>
-            </a:r>
-            <a:r>
-              <a:rPr lang="en-US" altLang="zh-TW" dirty="0" err="1" smtClean="0"/>
-              <a:t>Config</a:t>
-            </a:r>
-            <a:r>
-              <a:rPr lang="zh-TW" altLang="en-US" dirty="0" smtClean="0"/>
-              <a:t>做物件處理</a:t>
-            </a:r>
-            <a:endParaRPr lang="en-US" altLang="zh-TW" dirty="0" smtClean="0"/>
-          </a:p>
-          <a:p>
-            <a:r>
-              <a:rPr lang="en-US" altLang="zh-TW" dirty="0" smtClean="0"/>
-              <a:t>=&gt;</a:t>
-            </a:r>
-            <a:r>
-              <a:rPr lang="zh-TW" altLang="en-US" dirty="0" smtClean="0"/>
-              <a:t>自動</a:t>
-            </a:r>
-            <a:r>
-              <a:rPr lang="zh-TW" altLang="en-US" sz="1200" b="0" i="0" kern="1200" dirty="0" smtClean="0">
+              <a:rPr lang="en-US" altLang="zh-TW" sz="1200" b="0" i="0" kern="1200" dirty="0" smtClean="0">
                 <a:solidFill>
                   <a:schemeClr val="tx1"/>
                 </a:solidFill>
@@ -649,10 +618,10 @@
                 <a:ea typeface="+mn-ea"/>
                 <a:cs typeface="+mn-cs"/>
               </a:rPr>
-              <a:t>判斷 </a:t>
-            </a:r>
-            <a:r>
-              <a:rPr lang="en-US" altLang="zh-TW" sz="1200" b="0" i="0" kern="1200" dirty="0" smtClean="0">
+              <a:t>if</a:t>
+            </a:r>
+            <a:r>
+              <a:rPr lang="zh-TW" altLang="en-US" sz="1200" b="0" i="0" kern="1200" dirty="0" smtClean="0">
                 <a:solidFill>
                   <a:schemeClr val="tx1"/>
                 </a:solidFill>
@@ -661,10 +630,10 @@
                 <a:ea typeface="+mn-ea"/>
                 <a:cs typeface="+mn-cs"/>
               </a:rPr>
-              <a:t>‘driver’</a:t>
-            </a:r>
-            <a:r>
-              <a:rPr lang="zh-TW" altLang="en-US" sz="1200" b="0" i="0" kern="1200" dirty="0" smtClean="0">
+              <a:t>轉換成 </a:t>
+            </a:r>
+            <a:r>
+              <a:rPr lang="en-US" altLang="zh-TW" sz="1200" b="0" i="0" kern="1200" dirty="0" smtClean="0">
                 <a:solidFill>
                   <a:schemeClr val="tx1"/>
                 </a:solidFill>
@@ -673,10 +642,10 @@
                 <a:ea typeface="+mn-ea"/>
                 <a:cs typeface="+mn-cs"/>
               </a:rPr>
-              <a:t>這個</a:t>
-            </a:r>
-            <a:r>
-              <a:rPr lang="en-US" altLang="zh-TW" sz="1200" b="0" i="0" kern="1200" dirty="0" smtClean="0">
+              <a:t>array</a:t>
+            </a:r>
+            <a:r>
+              <a:rPr lang="en-US" altLang="zh-TW" sz="1200" b="0" i="0" kern="1200" baseline="0" dirty="0" smtClean="0">
                 <a:solidFill>
                   <a:schemeClr val="tx1"/>
                 </a:solidFill>
@@ -685,10 +654,10 @@
                 <a:ea typeface="+mn-ea"/>
                 <a:cs typeface="+mn-cs"/>
               </a:rPr>
-              <a:t>index </a:t>
-            </a:r>
-            <a:r>
-              <a:rPr lang="zh-TW" altLang="en-US" sz="1200" b="0" i="0" kern="1200" dirty="0" smtClean="0">
+              <a:t> =&gt; </a:t>
+            </a:r>
+            <a:r>
+              <a:rPr lang="en-US" altLang="zh-TW" sz="1200" b="0" i="0" kern="1200" dirty="0" smtClean="0">
                 <a:solidFill>
                   <a:schemeClr val="tx1"/>
                 </a:solidFill>
@@ -697,7 +666,138 @@
                 <a:ea typeface="+mn-ea"/>
                 <a:cs typeface="+mn-cs"/>
               </a:rPr>
-              <a:t>是否存在</a:t>
+              <a:t>string</a:t>
+            </a:r>
+            <a:r>
+              <a:rPr lang="zh-TW" altLang="en-US" sz="1200" b="0" i="0" kern="1200" dirty="0" smtClean="0">
+                <a:solidFill>
+                  <a:schemeClr val="tx1"/>
+                </a:solidFill>
+                <a:effectLst/>
+                <a:latin typeface="+mn-lt"/>
+                <a:ea typeface="+mn-ea"/>
+                <a:cs typeface="+mn-cs"/>
+              </a:rPr>
+              <a:t>與 </a:t>
+            </a:r>
+            <a:r>
+              <a:rPr lang="en-US" altLang="zh-TW" sz="1200" b="0" i="0" kern="1200" dirty="0" err="1" smtClean="0">
+                <a:solidFill>
+                  <a:schemeClr val="tx1"/>
+                </a:solidFill>
+                <a:effectLst/>
+                <a:latin typeface="+mn-lt"/>
+                <a:ea typeface="+mn-ea"/>
+                <a:cs typeface="+mn-cs"/>
+              </a:rPr>
+              <a:t>int</a:t>
+            </a:r>
+            <a:r>
+              <a:rPr lang="zh-TW" altLang="en-US" sz="1200" b="0" i="0" kern="1200" dirty="0" smtClean="0">
+                <a:solidFill>
+                  <a:schemeClr val="tx1"/>
+                </a:solidFill>
+                <a:effectLst/>
+                <a:latin typeface="+mn-lt"/>
+                <a:ea typeface="+mn-ea"/>
+                <a:cs typeface="+mn-cs"/>
+              </a:rPr>
+              <a:t>：轉成陣列的第一個元素</a:t>
+            </a:r>
+            <a:endParaRPr lang="en-US" altLang="zh-TW" sz="1200" b="0" i="0" kern="1200" dirty="0" smtClean="0">
+              <a:solidFill>
+                <a:schemeClr val="tx1"/>
+              </a:solidFill>
+              <a:effectLst/>
+              <a:latin typeface="+mn-lt"/>
+              <a:ea typeface="+mn-ea"/>
+              <a:cs typeface="+mn-cs"/>
+            </a:endParaRPr>
+          </a:p>
+          <a:p>
+            <a:r>
+              <a:rPr lang="en-US" altLang="zh-TW" sz="1200" b="0" i="0" kern="1200" baseline="0" dirty="0" smtClean="0">
+                <a:solidFill>
+                  <a:schemeClr val="tx1"/>
+                </a:solidFill>
+                <a:effectLst/>
+                <a:latin typeface="+mn-lt"/>
+                <a:ea typeface="+mn-ea"/>
+                <a:cs typeface="+mn-cs"/>
+              </a:rPr>
+              <a:t>                       =&gt; </a:t>
+            </a:r>
+            <a:r>
+              <a:rPr lang="en-US" altLang="zh-TW" sz="1200" b="0" i="0" kern="1200" dirty="0" smtClean="0">
+                <a:solidFill>
+                  <a:schemeClr val="tx1"/>
+                </a:solidFill>
+                <a:effectLst/>
+                <a:latin typeface="+mn-lt"/>
+                <a:ea typeface="+mn-ea"/>
+                <a:cs typeface="+mn-cs"/>
+              </a:rPr>
+              <a:t>object </a:t>
+            </a:r>
+            <a:r>
+              <a:rPr lang="zh-TW" altLang="en-US" sz="1200" b="0" i="0" kern="1200" dirty="0" smtClean="0">
+                <a:solidFill>
+                  <a:schemeClr val="tx1"/>
+                </a:solidFill>
+                <a:effectLst/>
+                <a:latin typeface="+mn-lt"/>
+                <a:ea typeface="+mn-ea"/>
+                <a:cs typeface="+mn-cs"/>
+              </a:rPr>
+              <a:t>：取出所有的 </a:t>
+            </a:r>
+            <a:r>
+              <a:rPr lang="en-US" altLang="zh-TW" sz="1200" b="0" i="0" kern="1200" dirty="0" smtClean="0">
+                <a:solidFill>
+                  <a:schemeClr val="tx1"/>
+                </a:solidFill>
+                <a:effectLst/>
+                <a:latin typeface="+mn-lt"/>
+                <a:ea typeface="+mn-ea"/>
+                <a:cs typeface="+mn-cs"/>
+              </a:rPr>
+              <a:t>property(</a:t>
+            </a:r>
+            <a:r>
+              <a:rPr lang="zh-TW" altLang="en-US" sz="1200" b="0" i="0" kern="1200" dirty="0" smtClean="0">
+                <a:solidFill>
+                  <a:schemeClr val="tx1"/>
+                </a:solidFill>
+                <a:effectLst/>
+                <a:latin typeface="+mn-lt"/>
+                <a:ea typeface="+mn-ea"/>
+                <a:cs typeface="+mn-cs"/>
+              </a:rPr>
+              <a:t> </a:t>
+            </a:r>
+            <a:r>
+              <a:rPr lang="en-US" altLang="zh-TW" sz="1200" b="0" i="0" kern="1200" dirty="0" smtClean="0">
+                <a:solidFill>
+                  <a:schemeClr val="tx1"/>
+                </a:solidFill>
+                <a:effectLst/>
+                <a:latin typeface="+mn-lt"/>
+                <a:ea typeface="+mn-ea"/>
+                <a:cs typeface="+mn-cs"/>
+              </a:rPr>
+              <a:t>protected </a:t>
+            </a:r>
+            <a:r>
+              <a:rPr lang="zh-TW" altLang="en-US" sz="1200" b="0" i="0" kern="1200" dirty="0" smtClean="0">
+                <a:solidFill>
+                  <a:schemeClr val="tx1"/>
+                </a:solidFill>
+                <a:effectLst/>
+                <a:latin typeface="+mn-lt"/>
+                <a:ea typeface="+mn-ea"/>
+                <a:cs typeface="+mn-cs"/>
+              </a:rPr>
+              <a:t>會被取出來）</a:t>
             </a:r>
             <a:endParaRPr lang="zh-TW" altLang="en-US" dirty="0"/>
           </a:p>
@@ -720,7 +820,7 @@
           <a:p>
             <a:fld id="{98D2CAF3-3D5A-45A3-B3B5-CAECC52DE887}" type="slidenum">
               <a:rPr lang="zh-TW" altLang="en-US" smtClean="0"/>
-              <a:t>13</a:t>
+              <a:t>12</a:t>
             </a:fld>
             <a:endParaRPr lang="zh-TW" altLang="en-US"/>
           </a:p>
@@ -785,15 +885,94 @@
           <a:p>
             <a:r>
               <a:rPr lang="zh-TW" altLang="en-US" dirty="0" smtClean="0"/>
-              <a:t>有例外狀況</a:t>
-            </a:r>
+              <a:t>先判定進來的資料是不是</a:t>
+            </a:r>
+            <a:r>
+              <a:rPr lang="en-US" altLang="zh-TW" dirty="0" err="1" smtClean="0"/>
+              <a:t>Config</a:t>
+            </a:r>
+            <a:r>
+              <a:rPr lang="zh-TW" altLang="en-US" dirty="0" smtClean="0"/>
+              <a:t>物件，如果不是，先給</a:t>
+            </a:r>
+            <a:r>
+              <a:rPr lang="en-US" altLang="zh-TW" dirty="0" err="1" smtClean="0"/>
+              <a:t>Config</a:t>
+            </a:r>
+            <a:r>
+              <a:rPr lang="zh-TW" altLang="en-US" dirty="0" smtClean="0"/>
+              <a:t>做物件處理</a:t>
+            </a:r>
+            <a:endParaRPr lang="en-US" altLang="zh-TW" dirty="0" smtClean="0"/>
+          </a:p>
+          <a:p>
             <a:r>
               <a:rPr lang="en-US" altLang="zh-TW" dirty="0" smtClean="0"/>
-              <a:t>(error)</a:t>
+              <a:t>=&gt;</a:t>
             </a:r>
             <a:r>
               <a:rPr lang="zh-TW" altLang="en-US" dirty="0" smtClean="0"/>
-              <a:t>時可以回應給管理者，使用者不會看到錯誤訊息</a:t>
+              <a:t>自動</a:t>
+            </a:r>
+            <a:r>
+              <a:rPr lang="zh-TW" altLang="en-US" sz="1200" b="0" i="0" kern="1200" dirty="0" smtClean="0">
+                <a:solidFill>
+                  <a:schemeClr val="tx1"/>
+                </a:solidFill>
+                <a:effectLst/>
+                <a:latin typeface="+mn-lt"/>
+                <a:ea typeface="+mn-ea"/>
+                <a:cs typeface="+mn-cs"/>
+              </a:rPr>
+              <a:t>判斷 </a:t>
+            </a:r>
+            <a:r>
+              <a:rPr lang="en-US" altLang="zh-TW" sz="1200" b="0" i="0" kern="1200" dirty="0" smtClean="0">
+                <a:solidFill>
+                  <a:schemeClr val="tx1"/>
+                </a:solidFill>
+                <a:effectLst/>
+                <a:latin typeface="+mn-lt"/>
+                <a:ea typeface="+mn-ea"/>
+                <a:cs typeface="+mn-cs"/>
+              </a:rPr>
+              <a:t>‘driver’</a:t>
+            </a:r>
+            <a:r>
+              <a:rPr lang="zh-TW" altLang="en-US" sz="1200" b="0" i="0" kern="1200" dirty="0" smtClean="0">
+                <a:solidFill>
+                  <a:schemeClr val="tx1"/>
+                </a:solidFill>
+                <a:effectLst/>
+                <a:latin typeface="+mn-lt"/>
+                <a:ea typeface="+mn-ea"/>
+                <a:cs typeface="+mn-cs"/>
+              </a:rPr>
+              <a:t>這個</a:t>
+            </a:r>
+            <a:r>
+              <a:rPr lang="en-US" altLang="zh-TW" sz="1200" b="0" i="0" kern="1200" dirty="0" smtClean="0">
+                <a:solidFill>
+                  <a:schemeClr val="tx1"/>
+                </a:solidFill>
+                <a:effectLst/>
+                <a:latin typeface="+mn-lt"/>
+                <a:ea typeface="+mn-ea"/>
+                <a:cs typeface="+mn-cs"/>
+              </a:rPr>
+              <a:t>index </a:t>
+            </a:r>
+            <a:r>
+              <a:rPr lang="zh-TW" altLang="en-US" sz="1200" b="0" i="0" kern="1200" dirty="0" smtClean="0">
+                <a:solidFill>
+                  <a:schemeClr val="tx1"/>
+                </a:solidFill>
+                <a:effectLst/>
+                <a:latin typeface="+mn-lt"/>
+                <a:ea typeface="+mn-ea"/>
+                <a:cs typeface="+mn-cs"/>
+              </a:rPr>
+              <a:t>是否存在</a:t>
             </a:r>
             <a:endParaRPr lang="zh-TW" altLang="en-US" dirty="0"/>
           </a:p>
@@ -816,7 +995,7 @@
           <a:p>
             <a:fld id="{98D2CAF3-3D5A-45A3-B3B5-CAECC52DE887}" type="slidenum">
               <a:rPr lang="zh-TW" altLang="en-US" smtClean="0"/>
-              <a:t>14</a:t>
+              <a:t>13</a:t>
             </a:fld>
             <a:endParaRPr lang="zh-TW" altLang="en-US"/>
           </a:p>
@@ -825,7 +1004,7 @@
     </p:spTree>
     <p:extLst>
       <p:ext uri="{BB962C8B-B14F-4D97-AF65-F5344CB8AC3E}">
-        <p14:creationId xmlns:p14="http://schemas.microsoft.com/office/powerpoint/2010/main" val="2795339878"/>
+        <p14:creationId xmlns:p14="http://schemas.microsoft.com/office/powerpoint/2010/main" val="489249664"/>
       </p:ext>
     </p:extLst>
   </p:cSld>
@@ -880,16 +1059,16 @@
           <a:lstStyle/>
           <a:p>
             <a:r>
-              <a:rPr lang="zh-TW" altLang="en-US" sz="1200" b="0" i="0" kern="1200" dirty="0" smtClean="0">
-                <a:solidFill>
-                  <a:schemeClr val="tx1"/>
-                </a:solidFill>
-                <a:effectLst/>
-                <a:latin typeface="+mn-lt"/>
-                <a:ea typeface="+mn-ea"/>
-                <a:cs typeface="+mn-cs"/>
-              </a:rPr>
-              <a:t>盡可能多做幾次檢查機制，若是出錯，盡可能還原，再不能還原，才會報出錯誤</a:t>
+              <a:rPr lang="zh-TW" altLang="en-US" dirty="0" smtClean="0"/>
+              <a:t>有例外狀況</a:t>
+            </a:r>
+            <a:r>
+              <a:rPr lang="en-US" altLang="zh-TW" dirty="0" smtClean="0"/>
+              <a:t>(error)</a:t>
+            </a:r>
+            <a:r>
+              <a:rPr lang="zh-TW" altLang="en-US" dirty="0" smtClean="0"/>
+              <a:t>時可以回應給管理者，使用者不會看到錯誤訊息</a:t>
             </a:r>
             <a:endParaRPr lang="zh-TW" altLang="en-US" dirty="0"/>
           </a:p>
@@ -912,7 +1091,7 @@
           <a:p>
             <a:fld id="{98D2CAF3-3D5A-45A3-B3B5-CAECC52DE887}" type="slidenum">
               <a:rPr lang="zh-TW" altLang="en-US" smtClean="0"/>
-              <a:t>15</a:t>
+              <a:t>14</a:t>
             </a:fld>
             <a:endParaRPr lang="zh-TW" altLang="en-US"/>
           </a:p>
@@ -921,7 +1100,7 @@
     </p:spTree>
     <p:extLst>
       <p:ext uri="{BB962C8B-B14F-4D97-AF65-F5344CB8AC3E}">
-        <p14:creationId xmlns:p14="http://schemas.microsoft.com/office/powerpoint/2010/main" val="3547515394"/>
+        <p14:creationId xmlns:p14="http://schemas.microsoft.com/office/powerpoint/2010/main" val="2795339878"/>
       </p:ext>
     </p:extLst>
   </p:cSld>
@@ -985,31 +1164,7 @@
                 <a:ea typeface="+mn-ea"/>
                 <a:cs typeface="+mn-cs"/>
               </a:rPr>
-              <a:t>還原機制，常搭配</a:t>
-            </a:r>
-            <a:r>
-              <a:rPr lang="en-US" altLang="zh-TW" sz="1200" b="0" i="0" kern="1200" dirty="0" smtClean="0">
-                <a:solidFill>
-                  <a:schemeClr val="tx1"/>
-                </a:solidFill>
-                <a:effectLst/>
-                <a:latin typeface="+mn-lt"/>
-                <a:ea typeface="+mn-ea"/>
-                <a:cs typeface="+mn-cs"/>
-              </a:rPr>
-              <a:t>try-catch</a:t>
-            </a:r>
-            <a:r>
-              <a:rPr lang="zh-TW" altLang="en-US" sz="1200" b="0" i="0" kern="1200" smtClean="0">
-                <a:solidFill>
-                  <a:schemeClr val="tx1"/>
-                </a:solidFill>
-                <a:effectLst/>
-                <a:latin typeface="+mn-lt"/>
-                <a:ea typeface="+mn-ea"/>
-                <a:cs typeface="+mn-cs"/>
-              </a:rPr>
-              <a:t>使用</a:t>
+              <a:t>盡可能多做幾次檢查機制，若是出錯，盡可能還原，再不能還原，才會報出錯誤</a:t>
             </a:r>
             <a:endParaRPr lang="zh-TW" altLang="en-US" dirty="0"/>
           </a:p>
@@ -1032,7 +1187,7 @@
           <a:p>
             <a:fld id="{98D2CAF3-3D5A-45A3-B3B5-CAECC52DE887}" type="slidenum">
               <a:rPr lang="zh-TW" altLang="en-US" smtClean="0"/>
-              <a:t>16</a:t>
+              <a:t>15</a:t>
             </a:fld>
             <a:endParaRPr lang="zh-TW" altLang="en-US"/>
           </a:p>
@@ -1095,23 +1250,6 @@
           <a:bodyPr/>
           <a:lstStyle/>
           <a:p>
-            <a:pPr marL="0" marR="0" lvl="0" indent="0" algn="l" defTabSz="914400" rtl="0" eaLnBrk="1" fontAlgn="auto" latinLnBrk="0" hangingPunct="1">
-              <a:lnSpc>
-                <a:spcPct val="100000"/>
-              </a:lnSpc>
-              <a:spcBef>
-                <a:spcPts val="0"/>
-              </a:spcBef>
-              <a:spcAft>
-                <a:spcPts val="0"/>
-              </a:spcAft>
-              <a:buClrTx/>
-              <a:buSzTx/>
-              <a:buFontTx/>
-              <a:buNone/>
-              <a:tabLst/>
-              <a:defRPr/>
-            </a:pPr>
             <a:r>
               <a:rPr lang="zh-TW" altLang="en-US" sz="1200" b="0" i="0" kern="1200" dirty="0" smtClean="0">
                 <a:solidFill>
@@ -1122,34 +1260,32 @@
                 <a:ea typeface="+mn-ea"/>
                 <a:cs typeface="+mn-cs"/>
               </a:rPr>
-              <a:t>欺騙系統讓其維持正常運行的一種手段，</a:t>
-            </a:r>
-            <a:r>
-              <a:rPr lang="zh-TW" altLang="en-US" sz="1200" b="0" dirty="0" smtClean="0">
-                <a:solidFill>
-                  <a:schemeClr val="accent6">
-                    <a:lumMod val="75000"/>
-                  </a:schemeClr>
-                </a:solidFill>
-                <a:latin typeface="FangSong" pitchFamily="49" charset="-122"/>
-                <a:ea typeface="FangSong" pitchFamily="49" charset="-122"/>
-              </a:rPr>
-              <a:t>使用者也不會知道系統有出現</a:t>
-            </a:r>
-            <a:r>
-              <a:rPr lang="en-US" altLang="zh-TW" sz="1200" b="0" dirty="0" smtClean="0">
-                <a:solidFill>
-                  <a:schemeClr val="accent6">
-                    <a:lumMod val="75000"/>
-                  </a:schemeClr>
-                </a:solidFill>
-                <a:latin typeface="FangSong" pitchFamily="49" charset="-122"/>
-                <a:ea typeface="FangSong" pitchFamily="49" charset="-122"/>
-              </a:rPr>
-              <a:t>error</a:t>
-            </a:r>
-          </a:p>
-          <a:p>
+              <a:t>還原機制，常搭配</a:t>
+            </a:r>
+            <a:r>
+              <a:rPr lang="en-US" altLang="zh-TW" sz="1200" b="0" i="0" kern="1200" dirty="0" smtClean="0">
+                <a:solidFill>
+                  <a:schemeClr val="tx1"/>
+                </a:solidFill>
+                <a:effectLst/>
+                <a:latin typeface="+mn-lt"/>
+                <a:ea typeface="+mn-ea"/>
+                <a:cs typeface="+mn-cs"/>
+              </a:rPr>
+              <a:t>try-catch</a:t>
+            </a:r>
+            <a:r>
+              <a:rPr lang="zh-TW" altLang="en-US" sz="1200" b="0" i="0" kern="1200" smtClean="0">
+                <a:solidFill>
+                  <a:schemeClr val="tx1"/>
+                </a:solidFill>
+                <a:effectLst/>
+                <a:latin typeface="+mn-lt"/>
+                <a:ea typeface="+mn-ea"/>
+                <a:cs typeface="+mn-cs"/>
+              </a:rPr>
+              <a:t>使用</a:t>
+            </a:r>
             <a:endParaRPr lang="zh-TW" altLang="en-US" dirty="0"/>
           </a:p>
         </p:txBody>
@@ -1171,7 +1307,7 @@
           <a:p>
             <a:fld id="{98D2CAF3-3D5A-45A3-B3B5-CAECC52DE887}" type="slidenum">
               <a:rPr lang="zh-TW" altLang="en-US" smtClean="0"/>
-              <a:t>17</a:t>
+              <a:t>16</a:t>
             </a:fld>
             <a:endParaRPr lang="zh-TW" altLang="en-US"/>
           </a:p>
@@ -1180,7 +1316,7 @@
     </p:spTree>
     <p:extLst>
       <p:ext uri="{BB962C8B-B14F-4D97-AF65-F5344CB8AC3E}">
-        <p14:creationId xmlns:p14="http://schemas.microsoft.com/office/powerpoint/2010/main" val="2795339878"/>
+        <p14:creationId xmlns:p14="http://schemas.microsoft.com/office/powerpoint/2010/main" val="3547515394"/>
       </p:ext>
     </p:extLst>
   </p:cSld>
@@ -1234,6 +1370,145 @@
           <a:bodyPr/>
           <a:lstStyle/>
           <a:p>
+            <a:pPr marL="0" marR="0" lvl="0" indent="0" algn="l" defTabSz="914400" rtl="0" eaLnBrk="1" fontAlgn="auto" latinLnBrk="0" hangingPunct="1">
+              <a:lnSpc>
+                <a:spcPct val="100000"/>
+              </a:lnSpc>
+              <a:spcBef>
+                <a:spcPts val="0"/>
+              </a:spcBef>
+              <a:spcAft>
+                <a:spcPts val="0"/>
+              </a:spcAft>
+              <a:buClrTx/>
+              <a:buSzTx/>
+              <a:buFontTx/>
+              <a:buNone/>
+              <a:tabLst/>
+              <a:defRPr/>
+            </a:pPr>
+            <a:r>
+              <a:rPr lang="zh-TW" altLang="en-US" sz="1200" b="0" i="0" kern="1200" dirty="0" smtClean="0">
+                <a:solidFill>
+                  <a:schemeClr val="tx1"/>
+                </a:solidFill>
+                <a:effectLst/>
+                <a:latin typeface="+mn-lt"/>
+                <a:ea typeface="+mn-ea"/>
+                <a:cs typeface="+mn-cs"/>
+              </a:rPr>
+              <a:t>欺騙系統讓其維持正常運行的一種手段，</a:t>
+            </a:r>
+            <a:r>
+              <a:rPr lang="zh-TW" altLang="en-US" sz="1200" b="0" dirty="0" smtClean="0">
+                <a:solidFill>
+                  <a:schemeClr val="accent6">
+                    <a:lumMod val="75000"/>
+                  </a:schemeClr>
+                </a:solidFill>
+                <a:latin typeface="FangSong" pitchFamily="49" charset="-122"/>
+                <a:ea typeface="FangSong" pitchFamily="49" charset="-122"/>
+              </a:rPr>
+              <a:t>使用者也不會知道系統有出現</a:t>
+            </a:r>
+            <a:r>
+              <a:rPr lang="en-US" altLang="zh-TW" sz="1200" b="0" dirty="0" smtClean="0">
+                <a:solidFill>
+                  <a:schemeClr val="accent6">
+                    <a:lumMod val="75000"/>
+                  </a:schemeClr>
+                </a:solidFill>
+                <a:latin typeface="FangSong" pitchFamily="49" charset="-122"/>
+                <a:ea typeface="FangSong" pitchFamily="49" charset="-122"/>
+              </a:rPr>
+              <a:t>error</a:t>
+            </a:r>
+          </a:p>
+          <a:p>
+            <a:endParaRPr lang="zh-TW" altLang="en-US" dirty="0"/>
+          </a:p>
+        </p:txBody>
+      </p:sp>
+      <p:sp>
+        <p:nvSpPr>
+          <p:cNvPr id="4" name="投影片編號版面配置區 3"/>
+          <p:cNvSpPr>
+            <a:spLocks noGrp="1"/>
+          </p:cNvSpPr>
+          <p:nvPr>
+            <p:ph type="sldNum" sz="quarter" idx="10"/>
+          </p:nvPr>
+        </p:nvSpPr>
+        <p:spPr/>
+        <p:txBody>
+          <a:bodyPr/>
+          <a:lstStyle/>
+          <a:p>
+            <a:fld id="{98D2CAF3-3D5A-45A3-B3B5-CAECC52DE887}" type="slidenum">
+              <a:rPr lang="zh-TW" altLang="en-US" smtClean="0"/>
+              <a:t>17</a:t>
+            </a:fld>
+            <a:endParaRPr lang="zh-TW" altLang="en-US"/>
+          </a:p>
+        </p:txBody>
+      </p:sp>
+    </p:spTree>
+    <p:extLst>
+      <p:ext uri="{BB962C8B-B14F-4D97-AF65-F5344CB8AC3E}">
+        <p14:creationId xmlns:p14="http://schemas.microsoft.com/office/powerpoint/2010/main" val="2795339878"/>
+      </p:ext>
+    </p:extLst>
+  </p:cSld>
+  <p:clrMapOvr>
+    <a:masterClrMapping/>
+  </p:clrMapOvr>
+</p:notes>
+</file>
+
+<file path=ppt/notesSlides/notesSlide16.xml><?xml version="1.0" encoding="utf-8"?>
+<p:notes xmlns:a="http://schemas.openxmlformats.org/drawingml/2006/main" xmlns:r="http://schemas.openxmlformats.org/officeDocument/2006/relationships" xmlns:p="http://schemas.openxmlformats.org/presentationml/2006/main">
+  <p:cSld>
+    <p:spTree>
+      <p:nvGrpSpPr>
+        <p:cNvPr id="1" name=""/>
+        <p:cNvGrpSpPr/>
+        <p:nvPr/>
+      </p:nvGrpSpPr>
+      <p:grpSpPr>
+        <a:xfrm>
+          <a:off x="0" y="0"/>
+          <a:ext cx="0" cy="0"/>
+          <a:chOff x="0" y="0"/>
+          <a:chExt cx="0" cy="0"/>
+        </a:xfrm>
+      </p:grpSpPr>
+      <p:sp>
+        <p:nvSpPr>
+          <p:cNvPr id="2" name="投影片圖像版面配置區 1"/>
+          <p:cNvSpPr>
+            <a:spLocks noGrp="1" noRot="1" noChangeAspect="1"/>
+          </p:cNvSpPr>
+          <p:nvPr>
+            <p:ph type="sldImg"/>
+          </p:nvPr>
+        </p:nvSpPr>
+        <p:spPr/>
+      </p:sp>
+      <p:sp>
+        <p:nvSpPr>
+          <p:cNvPr id="3" name="備忘稿版面配置區 2"/>
+          <p:cNvSpPr>
+            <a:spLocks noGrp="1"/>
+          </p:cNvSpPr>
+          <p:nvPr>
+            <p:ph type="body" idx="1"/>
+          </p:nvPr>
+        </p:nvSpPr>
+        <p:spPr/>
+        <p:txBody>
+          <a:bodyPr/>
+          <a:lstStyle/>
+          <a:p>
             <a:pPr marL="0" marR="0" indent="0" algn="l" defTabSz="914400" rtl="0" eaLnBrk="1" fontAlgn="auto" latinLnBrk="0" hangingPunct="1">
               <a:lnSpc>
                 <a:spcPct val="100000"/>
@@ -1535,344 +1810,6 @@
             <a:fld id="{98D2CAF3-3D5A-45A3-B3B5-CAECC52DE887}" type="slidenum">
               <a:rPr lang="zh-TW" altLang="en-US" smtClean="0"/>
               <a:t>18</a:t>
-            </a:fld>
-            <a:endParaRPr lang="zh-TW" altLang="en-US"/>
-          </a:p>
-        </p:txBody>
-      </p:sp>
-    </p:spTree>
-    <p:extLst>
-      <p:ext uri="{BB962C8B-B14F-4D97-AF65-F5344CB8AC3E}">
-        <p14:creationId xmlns:p14="http://schemas.microsoft.com/office/powerpoint/2010/main" val="378638457"/>
-      </p:ext>
-    </p:extLst>
-  </p:cSld>
-  <p:clrMapOvr>
-    <a:masterClrMapping/>
-  </p:clrMapOvr>
-</p:notes>
-</file>
-
-<file path=ppt/notesSlides/notesSlide16.xml><?xml version="1.0" encoding="utf-8"?>
-<p:notes xmlns:a="http://schemas.openxmlformats.org/drawingml/2006/main" xmlns:r="http://schemas.openxmlformats.org/officeDocument/2006/relationships" xmlns:p="http://schemas.openxmlformats.org/presentationml/2006/main">
-  <p:cSld>
-    <p:spTree>
-      <p:nvGrpSpPr>
-        <p:cNvPr id="1" name=""/>
-        <p:cNvGrpSpPr/>
-        <p:nvPr/>
-      </p:nvGrpSpPr>
-      <p:grpSpPr>
-        <a:xfrm>
-          <a:off x="0" y="0"/>
-          <a:ext cx="0" cy="0"/>
-          <a:chOff x="0" y="0"/>
-          <a:chExt cx="0" cy="0"/>
-        </a:xfrm>
-      </p:grpSpPr>
-      <p:sp>
-        <p:nvSpPr>
-          <p:cNvPr id="2" name="投影片圖像版面配置區 1"/>
-          <p:cNvSpPr>
-            <a:spLocks noGrp="1" noRot="1" noChangeAspect="1"/>
-          </p:cNvSpPr>
-          <p:nvPr>
-            <p:ph type="sldImg"/>
-          </p:nvPr>
-        </p:nvSpPr>
-        <p:spPr/>
-      </p:sp>
-      <p:sp>
-        <p:nvSpPr>
-          <p:cNvPr id="3" name="備忘稿版面配置區 2"/>
-          <p:cNvSpPr>
-            <a:spLocks noGrp="1"/>
-          </p:cNvSpPr>
-          <p:nvPr>
-            <p:ph type="body" idx="1"/>
-          </p:nvPr>
-        </p:nvSpPr>
-        <p:spPr/>
-        <p:txBody>
-          <a:bodyPr/>
-          <a:lstStyle/>
-          <a:p>
-            <a:pPr marL="0" marR="0" indent="0" algn="l" defTabSz="914400" rtl="0" eaLnBrk="1" fontAlgn="auto" latinLnBrk="0" hangingPunct="1">
-              <a:lnSpc>
-                <a:spcPct val="100000"/>
-              </a:lnSpc>
-              <a:spcBef>
-                <a:spcPts val="0"/>
-              </a:spcBef>
-              <a:spcAft>
-                <a:spcPts val="0"/>
-              </a:spcAft>
-              <a:buClrTx/>
-              <a:buSzTx/>
-              <a:buFontTx/>
-              <a:buNone/>
-              <a:tabLst/>
-              <a:defRPr/>
-            </a:pPr>
-            <a:r>
-              <a:rPr lang="zh-TW" altLang="en-US" sz="1200" b="0" dirty="0" smtClean="0">
-                <a:solidFill>
-                  <a:schemeClr val="accent6">
-                    <a:lumMod val="75000"/>
-                  </a:schemeClr>
-                </a:solidFill>
-                <a:latin typeface="FangSong" pitchFamily="49" charset="-122"/>
-                <a:ea typeface="FangSong" pitchFamily="49" charset="-122"/>
-              </a:rPr>
-              <a:t>防禦型</a:t>
-            </a:r>
-            <a:r>
-              <a:rPr lang="zh-TW" altLang="en-US" sz="1200" b="0" smtClean="0">
-                <a:solidFill>
-                  <a:schemeClr val="accent6">
-                    <a:lumMod val="75000"/>
-                  </a:schemeClr>
-                </a:solidFill>
-                <a:latin typeface="FangSong" pitchFamily="49" charset="-122"/>
-                <a:ea typeface="FangSong" pitchFamily="49" charset="-122"/>
-              </a:rPr>
-              <a:t>雖然</a:t>
-            </a:r>
-            <a:r>
-              <a:rPr lang="zh-TW" altLang="en-US" sz="1200" b="0" smtClean="0">
-                <a:solidFill>
-                  <a:schemeClr val="accent6">
-                    <a:lumMod val="75000"/>
-                  </a:schemeClr>
-                </a:solidFill>
-                <a:latin typeface="FangSong" pitchFamily="49" charset="-122"/>
-                <a:ea typeface="FangSong" pitchFamily="49" charset="-122"/>
-              </a:rPr>
-              <a:t>程式結構較</a:t>
-            </a:r>
-            <a:r>
-              <a:rPr lang="zh-TW" altLang="en-US" sz="1200" b="0" dirty="0" smtClean="0">
-                <a:solidFill>
-                  <a:schemeClr val="accent6">
-                    <a:lumMod val="75000"/>
-                  </a:schemeClr>
-                </a:solidFill>
-                <a:latin typeface="FangSong" pitchFamily="49" charset="-122"/>
-                <a:ea typeface="FangSong" pitchFamily="49" charset="-122"/>
-              </a:rPr>
-              <a:t>嚴謹周密，但耗效能、程式碼多等缺點不能忽視</a:t>
-            </a:r>
-            <a:endParaRPr lang="en-US" altLang="zh-TW" sz="1200" b="0" dirty="0" smtClean="0">
-              <a:solidFill>
-                <a:schemeClr val="accent6">
-                  <a:lumMod val="75000"/>
-                </a:schemeClr>
-              </a:solidFill>
-              <a:latin typeface="FangSong" pitchFamily="49" charset="-122"/>
-              <a:ea typeface="FangSong" pitchFamily="49" charset="-122"/>
-            </a:endParaRPr>
-          </a:p>
-          <a:p>
-            <a:pPr marL="0" marR="0" indent="0" algn="l" defTabSz="914400" rtl="0" eaLnBrk="1" fontAlgn="auto" latinLnBrk="0" hangingPunct="1">
-              <a:lnSpc>
-                <a:spcPct val="100000"/>
-              </a:lnSpc>
-              <a:spcBef>
-                <a:spcPts val="0"/>
-              </a:spcBef>
-              <a:spcAft>
-                <a:spcPts val="0"/>
-              </a:spcAft>
-              <a:buClrTx/>
-              <a:buSzTx/>
-              <a:buFontTx/>
-              <a:buNone/>
-              <a:tabLst/>
-              <a:defRPr/>
-            </a:pPr>
-            <a:endParaRPr lang="en-US" altLang="zh-TW" sz="1200" b="0" dirty="0" smtClean="0">
-              <a:solidFill>
-                <a:schemeClr val="accent6">
-                  <a:lumMod val="75000"/>
-                </a:schemeClr>
-              </a:solidFill>
-              <a:latin typeface="FangSong" pitchFamily="49" charset="-122"/>
-              <a:ea typeface="FangSong" pitchFamily="49" charset="-122"/>
-            </a:endParaRPr>
-          </a:p>
-          <a:p>
-            <a:pPr marL="0" marR="0" indent="0" algn="l" defTabSz="914400" rtl="0" eaLnBrk="1" fontAlgn="auto" latinLnBrk="0" hangingPunct="1">
-              <a:lnSpc>
-                <a:spcPct val="100000"/>
-              </a:lnSpc>
-              <a:spcBef>
-                <a:spcPts val="0"/>
-              </a:spcBef>
-              <a:spcAft>
-                <a:spcPts val="0"/>
-              </a:spcAft>
-              <a:buClrTx/>
-              <a:buSzTx/>
-              <a:buFontTx/>
-              <a:buNone/>
-              <a:tabLst/>
-              <a:defRPr/>
-            </a:pPr>
-            <a:r>
-              <a:rPr lang="zh-TW" altLang="en-US" sz="1200" b="0" dirty="0" smtClean="0">
-                <a:solidFill>
-                  <a:schemeClr val="accent6">
-                    <a:lumMod val="75000"/>
-                  </a:schemeClr>
-                </a:solidFill>
-                <a:latin typeface="FangSong" pitchFamily="49" charset="-122"/>
-                <a:ea typeface="FangSong" pitchFamily="49" charset="-122"/>
-              </a:rPr>
-              <a:t>簡單來說程式碼越多，所產生的問題相對也會越多</a:t>
-            </a:r>
-            <a:r>
-              <a:rPr lang="en-US" altLang="zh-TW" sz="1200" b="0" dirty="0" smtClean="0">
-                <a:solidFill>
-                  <a:schemeClr val="accent6">
-                    <a:lumMod val="75000"/>
-                  </a:schemeClr>
-                </a:solidFill>
-                <a:latin typeface="FangSong" pitchFamily="49" charset="-122"/>
-                <a:ea typeface="FangSong" pitchFamily="49" charset="-122"/>
-              </a:rPr>
-              <a:t>(</a:t>
-            </a:r>
-            <a:r>
-              <a:rPr lang="zh-TW" altLang="en-US" sz="1200" b="0" dirty="0" smtClean="0">
-                <a:solidFill>
-                  <a:schemeClr val="accent6">
-                    <a:lumMod val="75000"/>
-                  </a:schemeClr>
-                </a:solidFill>
-                <a:latin typeface="FangSong" pitchFamily="49" charset="-122"/>
-                <a:ea typeface="FangSong" pitchFamily="49" charset="-122"/>
-              </a:rPr>
-              <a:t>維護、除錯</a:t>
-            </a:r>
-            <a:r>
-              <a:rPr lang="en-US" altLang="zh-TW" sz="1200" b="0" dirty="0" smtClean="0">
-                <a:solidFill>
-                  <a:schemeClr val="accent6">
-                    <a:lumMod val="75000"/>
-                  </a:schemeClr>
-                </a:solidFill>
-                <a:latin typeface="FangSong" pitchFamily="49" charset="-122"/>
-                <a:ea typeface="FangSong" pitchFamily="49" charset="-122"/>
-              </a:rPr>
-              <a:t>……)</a:t>
-            </a:r>
-          </a:p>
-          <a:p>
-            <a:r>
-              <a:rPr lang="zh-TW" altLang="en-US" sz="1200" b="0" dirty="0" smtClean="0">
-                <a:solidFill>
-                  <a:schemeClr val="accent6">
-                    <a:lumMod val="75000"/>
-                  </a:schemeClr>
-                </a:solidFill>
-                <a:latin typeface="FangSong" pitchFamily="49" charset="-122"/>
-                <a:ea typeface="FangSong" pitchFamily="49" charset="-122"/>
-              </a:rPr>
-              <a:t>方法有很多種，也各有優缺點，相互比較之後再來決定是否防禦型程式是最適合自己程式的方法</a:t>
-            </a:r>
-            <a:endParaRPr lang="en-US" altLang="zh-TW" sz="1200" b="0" dirty="0" smtClean="0">
-              <a:solidFill>
-                <a:schemeClr val="accent6">
-                  <a:lumMod val="75000"/>
-                </a:schemeClr>
-              </a:solidFill>
-              <a:latin typeface="FangSong" pitchFamily="49" charset="-122"/>
-              <a:ea typeface="FangSong" pitchFamily="49" charset="-122"/>
-            </a:endParaRPr>
-          </a:p>
-          <a:p>
-            <a:r>
-              <a:rPr lang="en-US" altLang="zh-TW" sz="1200" b="0" dirty="0" smtClean="0">
-                <a:solidFill>
-                  <a:schemeClr val="accent6">
-                    <a:lumMod val="75000"/>
-                  </a:schemeClr>
-                </a:solidFill>
-                <a:latin typeface="FangSong" pitchFamily="49" charset="-122"/>
-                <a:ea typeface="FangSong" pitchFamily="49" charset="-122"/>
-              </a:rPr>
-              <a:t>(</a:t>
-            </a:r>
-            <a:r>
-              <a:rPr lang="zh-TW" altLang="en-US" sz="1200" b="0" dirty="0" smtClean="0">
-                <a:solidFill>
-                  <a:schemeClr val="accent6">
-                    <a:lumMod val="75000"/>
-                  </a:schemeClr>
-                </a:solidFill>
-                <a:latin typeface="FangSong" pitchFamily="49" charset="-122"/>
-                <a:ea typeface="FangSong" pitchFamily="49" charset="-122"/>
-              </a:rPr>
-              <a:t>像是防禦型程式有判斷值為</a:t>
-            </a:r>
-            <a:r>
-              <a:rPr lang="en-US" altLang="zh-TW" sz="1200" b="0" dirty="0" smtClean="0">
-                <a:solidFill>
-                  <a:schemeClr val="accent6">
-                    <a:lumMod val="75000"/>
-                  </a:schemeClr>
-                </a:solidFill>
-                <a:latin typeface="FangSong" pitchFamily="49" charset="-122"/>
-                <a:ea typeface="FangSong" pitchFamily="49" charset="-122"/>
-              </a:rPr>
-              <a:t>null</a:t>
-            </a:r>
-            <a:r>
-              <a:rPr lang="zh-TW" altLang="en-US" sz="1200" b="0" dirty="0" smtClean="0">
-                <a:solidFill>
-                  <a:schemeClr val="accent6">
-                    <a:lumMod val="75000"/>
-                  </a:schemeClr>
-                </a:solidFill>
-                <a:latin typeface="FangSong" pitchFamily="49" charset="-122"/>
-                <a:ea typeface="FangSong" pitchFamily="49" charset="-122"/>
-              </a:rPr>
-              <a:t>的情況，個人會認為不一定要判斷，只需判斷值是不是自己想要的，不是的話，不動作即可</a:t>
-            </a:r>
-            <a:r>
-              <a:rPr lang="en-US" altLang="zh-TW" sz="1200" b="0" dirty="0" smtClean="0">
-                <a:solidFill>
-                  <a:schemeClr val="accent6">
-                    <a:lumMod val="75000"/>
-                  </a:schemeClr>
-                </a:solidFill>
-                <a:latin typeface="FangSong" pitchFamily="49" charset="-122"/>
-                <a:ea typeface="FangSong" pitchFamily="49" charset="-122"/>
-              </a:rPr>
-              <a:t>)</a:t>
-            </a:r>
-            <a:endParaRPr lang="zh-TW" altLang="en-US" b="0" dirty="0"/>
-          </a:p>
-        </p:txBody>
-      </p:sp>
-      <p:sp>
-        <p:nvSpPr>
-          <p:cNvPr id="4" name="投影片編號版面配置區 3"/>
-          <p:cNvSpPr>
-            <a:spLocks noGrp="1"/>
-          </p:cNvSpPr>
-          <p:nvPr>
-            <p:ph type="sldNum" sz="quarter" idx="10"/>
-          </p:nvPr>
-        </p:nvSpPr>
-        <p:spPr/>
-        <p:txBody>
-          <a:bodyPr/>
-          <a:lstStyle/>
-          <a:p>
-            <a:fld id="{98D2CAF3-3D5A-45A3-B3B5-CAECC52DE887}" type="slidenum">
-              <a:rPr lang="zh-TW" altLang="en-US" smtClean="0"/>
-              <a:t>19</a:t>
             </a:fld>
             <a:endParaRPr lang="zh-TW" altLang="en-US"/>
           </a:p>
@@ -1935,6 +1872,332 @@
           <a:bodyPr/>
           <a:lstStyle/>
           <a:p>
+            <a:pPr marL="0" marR="0" indent="0" algn="l" defTabSz="914400" rtl="0" eaLnBrk="1" fontAlgn="auto" latinLnBrk="0" hangingPunct="1">
+              <a:lnSpc>
+                <a:spcPct val="100000"/>
+              </a:lnSpc>
+              <a:spcBef>
+                <a:spcPts val="0"/>
+              </a:spcBef>
+              <a:spcAft>
+                <a:spcPts val="0"/>
+              </a:spcAft>
+              <a:buClrTx/>
+              <a:buSzTx/>
+              <a:buFontTx/>
+              <a:buNone/>
+              <a:tabLst/>
+              <a:defRPr/>
+            </a:pPr>
+            <a:r>
+              <a:rPr lang="zh-TW" altLang="en-US" sz="1200" b="0" dirty="0" smtClean="0">
+                <a:solidFill>
+                  <a:schemeClr val="accent6">
+                    <a:lumMod val="75000"/>
+                  </a:schemeClr>
+                </a:solidFill>
+                <a:latin typeface="FangSong" pitchFamily="49" charset="-122"/>
+                <a:ea typeface="FangSong" pitchFamily="49" charset="-122"/>
+              </a:rPr>
+              <a:t>防禦型</a:t>
+            </a:r>
+            <a:r>
+              <a:rPr lang="zh-TW" altLang="en-US" sz="1200" b="0" smtClean="0">
+                <a:solidFill>
+                  <a:schemeClr val="accent6">
+                    <a:lumMod val="75000"/>
+                  </a:schemeClr>
+                </a:solidFill>
+                <a:latin typeface="FangSong" pitchFamily="49" charset="-122"/>
+                <a:ea typeface="FangSong" pitchFamily="49" charset="-122"/>
+              </a:rPr>
+              <a:t>雖然程式結構較</a:t>
+            </a:r>
+            <a:r>
+              <a:rPr lang="zh-TW" altLang="en-US" sz="1200" b="0" dirty="0" smtClean="0">
+                <a:solidFill>
+                  <a:schemeClr val="accent6">
+                    <a:lumMod val="75000"/>
+                  </a:schemeClr>
+                </a:solidFill>
+                <a:latin typeface="FangSong" pitchFamily="49" charset="-122"/>
+                <a:ea typeface="FangSong" pitchFamily="49" charset="-122"/>
+              </a:rPr>
+              <a:t>嚴謹周密，但耗效能、程式碼多等缺點不能忽視</a:t>
+            </a:r>
+            <a:endParaRPr lang="en-US" altLang="zh-TW" sz="1200" b="0" dirty="0" smtClean="0">
+              <a:solidFill>
+                <a:schemeClr val="accent6">
+                  <a:lumMod val="75000"/>
+                </a:schemeClr>
+              </a:solidFill>
+              <a:latin typeface="FangSong" pitchFamily="49" charset="-122"/>
+              <a:ea typeface="FangSong" pitchFamily="49" charset="-122"/>
+            </a:endParaRPr>
+          </a:p>
+          <a:p>
+            <a:pPr marL="0" marR="0" indent="0" algn="l" defTabSz="914400" rtl="0" eaLnBrk="1" fontAlgn="auto" latinLnBrk="0" hangingPunct="1">
+              <a:lnSpc>
+                <a:spcPct val="100000"/>
+              </a:lnSpc>
+              <a:spcBef>
+                <a:spcPts val="0"/>
+              </a:spcBef>
+              <a:spcAft>
+                <a:spcPts val="0"/>
+              </a:spcAft>
+              <a:buClrTx/>
+              <a:buSzTx/>
+              <a:buFontTx/>
+              <a:buNone/>
+              <a:tabLst/>
+              <a:defRPr/>
+            </a:pPr>
+            <a:endParaRPr lang="en-US" altLang="zh-TW" sz="1200" b="0" dirty="0" smtClean="0">
+              <a:solidFill>
+                <a:schemeClr val="accent6">
+                  <a:lumMod val="75000"/>
+                </a:schemeClr>
+              </a:solidFill>
+              <a:latin typeface="FangSong" pitchFamily="49" charset="-122"/>
+              <a:ea typeface="FangSong" pitchFamily="49" charset="-122"/>
+            </a:endParaRPr>
+          </a:p>
+          <a:p>
+            <a:pPr marL="0" marR="0" indent="0" algn="l" defTabSz="914400" rtl="0" eaLnBrk="1" fontAlgn="auto" latinLnBrk="0" hangingPunct="1">
+              <a:lnSpc>
+                <a:spcPct val="100000"/>
+              </a:lnSpc>
+              <a:spcBef>
+                <a:spcPts val="0"/>
+              </a:spcBef>
+              <a:spcAft>
+                <a:spcPts val="0"/>
+              </a:spcAft>
+              <a:buClrTx/>
+              <a:buSzTx/>
+              <a:buFontTx/>
+              <a:buNone/>
+              <a:tabLst/>
+              <a:defRPr/>
+            </a:pPr>
+            <a:r>
+              <a:rPr lang="zh-TW" altLang="en-US" sz="1200" b="0" dirty="0" smtClean="0">
+                <a:solidFill>
+                  <a:schemeClr val="accent6">
+                    <a:lumMod val="75000"/>
+                  </a:schemeClr>
+                </a:solidFill>
+                <a:latin typeface="FangSong" pitchFamily="49" charset="-122"/>
+                <a:ea typeface="FangSong" pitchFamily="49" charset="-122"/>
+              </a:rPr>
+              <a:t>簡單來說程式碼越多，所產生的問題相對也會越多</a:t>
+            </a:r>
+            <a:r>
+              <a:rPr lang="en-US" altLang="zh-TW" sz="1200" b="0" dirty="0" smtClean="0">
+                <a:solidFill>
+                  <a:schemeClr val="accent6">
+                    <a:lumMod val="75000"/>
+                  </a:schemeClr>
+                </a:solidFill>
+                <a:latin typeface="FangSong" pitchFamily="49" charset="-122"/>
+                <a:ea typeface="FangSong" pitchFamily="49" charset="-122"/>
+              </a:rPr>
+              <a:t>(</a:t>
+            </a:r>
+            <a:r>
+              <a:rPr lang="zh-TW" altLang="en-US" sz="1200" b="0" dirty="0" smtClean="0">
+                <a:solidFill>
+                  <a:schemeClr val="accent6">
+                    <a:lumMod val="75000"/>
+                  </a:schemeClr>
+                </a:solidFill>
+                <a:latin typeface="FangSong" pitchFamily="49" charset="-122"/>
+                <a:ea typeface="FangSong" pitchFamily="49" charset="-122"/>
+              </a:rPr>
+              <a:t>維護、除錯</a:t>
+            </a:r>
+            <a:r>
+              <a:rPr lang="en-US" altLang="zh-TW" sz="1200" b="0" dirty="0" smtClean="0">
+                <a:solidFill>
+                  <a:schemeClr val="accent6">
+                    <a:lumMod val="75000"/>
+                  </a:schemeClr>
+                </a:solidFill>
+                <a:latin typeface="FangSong" pitchFamily="49" charset="-122"/>
+                <a:ea typeface="FangSong" pitchFamily="49" charset="-122"/>
+              </a:rPr>
+              <a:t>……)</a:t>
+            </a:r>
+          </a:p>
+          <a:p>
+            <a:r>
+              <a:rPr lang="zh-TW" altLang="en-US" sz="1200" b="0" dirty="0" smtClean="0">
+                <a:solidFill>
+                  <a:schemeClr val="accent6">
+                    <a:lumMod val="75000"/>
+                  </a:schemeClr>
+                </a:solidFill>
+                <a:latin typeface="FangSong" pitchFamily="49" charset="-122"/>
+                <a:ea typeface="FangSong" pitchFamily="49" charset="-122"/>
+              </a:rPr>
+              <a:t>方法有很多種，也各有優缺點，相互比較之後再來決定是否防禦型程式是最適合自己程式的方法</a:t>
+            </a:r>
+            <a:endParaRPr lang="en-US" altLang="zh-TW" sz="1200" b="0" dirty="0" smtClean="0">
+              <a:solidFill>
+                <a:schemeClr val="accent6">
+                  <a:lumMod val="75000"/>
+                </a:schemeClr>
+              </a:solidFill>
+              <a:latin typeface="FangSong" pitchFamily="49" charset="-122"/>
+              <a:ea typeface="FangSong" pitchFamily="49" charset="-122"/>
+            </a:endParaRPr>
+          </a:p>
+          <a:p>
+            <a:r>
+              <a:rPr lang="en-US" altLang="zh-TW" sz="1200" b="0" dirty="0" smtClean="0">
+                <a:solidFill>
+                  <a:schemeClr val="accent6">
+                    <a:lumMod val="75000"/>
+                  </a:schemeClr>
+                </a:solidFill>
+                <a:latin typeface="FangSong" pitchFamily="49" charset="-122"/>
+                <a:ea typeface="FangSong" pitchFamily="49" charset="-122"/>
+              </a:rPr>
+              <a:t>(</a:t>
+            </a:r>
+            <a:r>
+              <a:rPr lang="zh-TW" altLang="en-US" sz="1200" b="0" dirty="0" smtClean="0">
+                <a:solidFill>
+                  <a:schemeClr val="accent6">
+                    <a:lumMod val="75000"/>
+                  </a:schemeClr>
+                </a:solidFill>
+                <a:latin typeface="FangSong" pitchFamily="49" charset="-122"/>
+                <a:ea typeface="FangSong" pitchFamily="49" charset="-122"/>
+              </a:rPr>
+              <a:t>像是防禦型程式有判斷值為</a:t>
+            </a:r>
+            <a:r>
+              <a:rPr lang="en-US" altLang="zh-TW" sz="1200" b="0" dirty="0" smtClean="0">
+                <a:solidFill>
+                  <a:schemeClr val="accent6">
+                    <a:lumMod val="75000"/>
+                  </a:schemeClr>
+                </a:solidFill>
+                <a:latin typeface="FangSong" pitchFamily="49" charset="-122"/>
+                <a:ea typeface="FangSong" pitchFamily="49" charset="-122"/>
+              </a:rPr>
+              <a:t>null</a:t>
+            </a:r>
+            <a:r>
+              <a:rPr lang="zh-TW" altLang="en-US" sz="1200" b="0" dirty="0" smtClean="0">
+                <a:solidFill>
+                  <a:schemeClr val="accent6">
+                    <a:lumMod val="75000"/>
+                  </a:schemeClr>
+                </a:solidFill>
+                <a:latin typeface="FangSong" pitchFamily="49" charset="-122"/>
+                <a:ea typeface="FangSong" pitchFamily="49" charset="-122"/>
+              </a:rPr>
+              <a:t>的情況，個人會認為不一定要判斷，只需判斷值是不是自己想要的，不是的話，不動作即可</a:t>
+            </a:r>
+            <a:r>
+              <a:rPr lang="en-US" altLang="zh-TW" sz="1200" b="0" dirty="0" smtClean="0">
+                <a:solidFill>
+                  <a:schemeClr val="accent6">
+                    <a:lumMod val="75000"/>
+                  </a:schemeClr>
+                </a:solidFill>
+                <a:latin typeface="FangSong" pitchFamily="49" charset="-122"/>
+                <a:ea typeface="FangSong" pitchFamily="49" charset="-122"/>
+              </a:rPr>
+              <a:t>)</a:t>
+            </a:r>
+            <a:endParaRPr lang="zh-TW" altLang="en-US" b="0" dirty="0"/>
+          </a:p>
+        </p:txBody>
+      </p:sp>
+      <p:sp>
+        <p:nvSpPr>
+          <p:cNvPr id="4" name="投影片編號版面配置區 3"/>
+          <p:cNvSpPr>
+            <a:spLocks noGrp="1"/>
+          </p:cNvSpPr>
+          <p:nvPr>
+            <p:ph type="sldNum" sz="quarter" idx="10"/>
+          </p:nvPr>
+        </p:nvSpPr>
+        <p:spPr/>
+        <p:txBody>
+          <a:bodyPr/>
+          <a:lstStyle/>
+          <a:p>
+            <a:fld id="{98D2CAF3-3D5A-45A3-B3B5-CAECC52DE887}" type="slidenum">
+              <a:rPr lang="zh-TW" altLang="en-US" smtClean="0"/>
+              <a:t>19</a:t>
+            </a:fld>
+            <a:endParaRPr lang="zh-TW" altLang="en-US"/>
+          </a:p>
+        </p:txBody>
+      </p:sp>
+    </p:spTree>
+    <p:extLst>
+      <p:ext uri="{BB962C8B-B14F-4D97-AF65-F5344CB8AC3E}">
+        <p14:creationId xmlns:p14="http://schemas.microsoft.com/office/powerpoint/2010/main" val="378638457"/>
+      </p:ext>
+    </p:extLst>
+  </p:cSld>
+  <p:clrMapOvr>
+    <a:masterClrMapping/>
+  </p:clrMapOvr>
+</p:notes>
+</file>
+
+<file path=ppt/notesSlides/notesSlide18.xml><?xml version="1.0" encoding="utf-8"?>
+<p:notes xmlns:a="http://schemas.openxmlformats.org/drawingml/2006/main" xmlns:r="http://schemas.openxmlformats.org/officeDocument/2006/relationships" xmlns:p="http://schemas.openxmlformats.org/presentationml/2006/main">
+  <p:cSld>
+    <p:spTree>
+      <p:nvGrpSpPr>
+        <p:cNvPr id="1" name=""/>
+        <p:cNvGrpSpPr/>
+        <p:nvPr/>
+      </p:nvGrpSpPr>
+      <p:grpSpPr>
+        <a:xfrm>
+          <a:off x="0" y="0"/>
+          <a:ext cx="0" cy="0"/>
+          <a:chOff x="0" y="0"/>
+          <a:chExt cx="0" cy="0"/>
+        </a:xfrm>
+      </p:grpSpPr>
+      <p:sp>
+        <p:nvSpPr>
+          <p:cNvPr id="2" name="投影片圖像版面配置區 1"/>
+          <p:cNvSpPr>
+            <a:spLocks noGrp="1" noRot="1" noChangeAspect="1"/>
+          </p:cNvSpPr>
+          <p:nvPr>
+            <p:ph type="sldImg"/>
+          </p:nvPr>
+        </p:nvSpPr>
+        <p:spPr/>
+      </p:sp>
+      <p:sp>
+        <p:nvSpPr>
+          <p:cNvPr id="3" name="備忘稿版面配置區 2"/>
+          <p:cNvSpPr>
+            <a:spLocks noGrp="1"/>
+          </p:cNvSpPr>
+          <p:nvPr>
+            <p:ph type="body" idx="1"/>
+          </p:nvPr>
+        </p:nvSpPr>
+        <p:spPr/>
+        <p:txBody>
+          <a:bodyPr/>
+          <a:lstStyle/>
+          <a:p>
             <a:endParaRPr lang="zh-TW" altLang="en-US" dirty="0"/>
           </a:p>
         </p:txBody>
@@ -2803,7 +3066,54 @@
                 <a:ea typeface="+mn-ea"/>
                 <a:cs typeface="+mn-cs"/>
               </a:rPr>
-              <a:t>的參數前先宣告類別來判斷</a:t>
+              <a:t>的參數前先宣告類別來</a:t>
+            </a:r>
+            <a:r>
+              <a:rPr lang="zh-TW" altLang="en-US" sz="1200" b="0" i="0" kern="1200" dirty="0" smtClean="0">
+                <a:solidFill>
+                  <a:schemeClr val="tx1"/>
+                </a:solidFill>
+                <a:effectLst/>
+                <a:latin typeface="+mn-lt"/>
+                <a:ea typeface="+mn-ea"/>
+                <a:cs typeface="+mn-cs"/>
+              </a:rPr>
+              <a:t>判斷</a:t>
+            </a:r>
+            <a:endParaRPr lang="en-US" altLang="zh-TW" sz="1200" b="0" i="0" kern="1200" dirty="0" smtClean="0">
+              <a:solidFill>
+                <a:schemeClr val="tx1"/>
+              </a:solidFill>
+              <a:effectLst/>
+              <a:latin typeface="+mn-lt"/>
+              <a:ea typeface="+mn-ea"/>
+              <a:cs typeface="+mn-cs"/>
+            </a:endParaRPr>
+          </a:p>
+          <a:p>
+            <a:r>
+              <a:rPr lang="zh-TW" altLang="en-US" sz="1200" b="0" i="0" kern="1200" dirty="0" smtClean="0">
+                <a:solidFill>
+                  <a:schemeClr val="tx1"/>
+                </a:solidFill>
+                <a:effectLst/>
+                <a:latin typeface="+mn-lt"/>
+                <a:ea typeface="+mn-ea"/>
+                <a:cs typeface="+mn-cs"/>
+              </a:rPr>
+              <a:t>參數區預設值只能設為</a:t>
+            </a:r>
+            <a:r>
+              <a:rPr lang="en-US" altLang="zh-TW" sz="1200" b="0" i="0" kern="1200" dirty="0" smtClean="0">
+                <a:solidFill>
+                  <a:schemeClr val="tx1"/>
+                </a:solidFill>
+                <a:effectLst/>
+                <a:latin typeface="+mn-lt"/>
+                <a:ea typeface="+mn-ea"/>
+                <a:cs typeface="+mn-cs"/>
+              </a:rPr>
+              <a:t>null</a:t>
             </a:r>
             <a:endParaRPr lang="zh-TW" altLang="en-US" dirty="0"/>
           </a:p>
@@ -2889,43 +3199,6 @@
           <a:bodyPr/>
           <a:lstStyle/>
           <a:p>
-            <a:r>
-              <a:rPr lang="zh-TW" altLang="en-US" dirty="0" smtClean="0"/>
-              <a:t>直接判斷值是否正確</a:t>
-            </a:r>
-            <a:endParaRPr lang="en-US" altLang="zh-TW" dirty="0" smtClean="0"/>
-          </a:p>
-          <a:p>
-            <a:r>
-              <a:rPr lang="en-US" altLang="zh-TW" dirty="0" smtClean="0"/>
-              <a:t>==</a:t>
-            </a:r>
-            <a:r>
-              <a:rPr lang="zh-TW" altLang="en-US" dirty="0" smtClean="0"/>
-              <a:t>：值相同</a:t>
-            </a:r>
-            <a:r>
-              <a:rPr lang="en-US" altLang="zh-TW" dirty="0" smtClean="0"/>
-              <a:t/>
-            </a:r>
-            <a:br>
-              <a:rPr lang="en-US" altLang="zh-TW" dirty="0" smtClean="0"/>
-            </a:br>
-            <a:r>
-              <a:rPr lang="en-US" altLang="zh-TW" dirty="0" smtClean="0"/>
-              <a:t>===</a:t>
-            </a:r>
-            <a:r>
-              <a:rPr lang="zh-TW" altLang="en-US" dirty="0" smtClean="0"/>
-              <a:t>：值相同，類型也相同</a:t>
-            </a:r>
-            <a:r>
-              <a:rPr lang="en-US" altLang="zh-TW" dirty="0" smtClean="0"/>
-              <a:t/>
-            </a:r>
-            <a:br>
-              <a:rPr lang="en-US" altLang="zh-TW" dirty="0" smtClean="0"/>
-            </a:br>
             <a:endParaRPr lang="zh-TW" altLang="en-US" dirty="0"/>
           </a:p>
         </p:txBody>
@@ -2947,7 +3220,7 @@
           <a:p>
             <a:fld id="{98D2CAF3-3D5A-45A3-B3B5-CAECC52DE887}" type="slidenum">
               <a:rPr lang="zh-TW" altLang="en-US" smtClean="0"/>
-              <a:t>11</a:t>
+              <a:t>10</a:t>
             </a:fld>
             <a:endParaRPr lang="zh-TW" altLang="en-US"/>
           </a:p>
@@ -2956,7 +3229,7 @@
     </p:spTree>
     <p:extLst>
       <p:ext uri="{BB962C8B-B14F-4D97-AF65-F5344CB8AC3E}">
-        <p14:creationId xmlns:p14="http://schemas.microsoft.com/office/powerpoint/2010/main" val="2018585459"/>
+        <p14:creationId xmlns:p14="http://schemas.microsoft.com/office/powerpoint/2010/main" val="2258936984"/>
       </p:ext>
     </p:extLst>
   </p:cSld>
@@ -3011,196 +3284,42 @@
           <a:lstStyle/>
           <a:p>
             <a:r>
-              <a:rPr lang="en-US" altLang="zh-TW" sz="1200" b="0" i="0" kern="1200" dirty="0" smtClean="0">
-                <a:solidFill>
-                  <a:schemeClr val="tx1"/>
-                </a:solidFill>
-                <a:effectLst/>
-                <a:latin typeface="+mn-lt"/>
-                <a:ea typeface="+mn-ea"/>
-                <a:cs typeface="+mn-cs"/>
-              </a:rPr>
-              <a:t>if</a:t>
-            </a:r>
-            <a:r>
-              <a:rPr lang="zh-TW" altLang="en-US" sz="1200" b="0" i="0" kern="1200" dirty="0" smtClean="0">
-                <a:solidFill>
-                  <a:schemeClr val="tx1"/>
-                </a:solidFill>
-                <a:effectLst/>
-                <a:latin typeface="+mn-lt"/>
-                <a:ea typeface="+mn-ea"/>
-                <a:cs typeface="+mn-cs"/>
-              </a:rPr>
-              <a:t>轉換成 </a:t>
-            </a:r>
-            <a:r>
-              <a:rPr lang="en-US" altLang="zh-TW" sz="1200" b="0" i="0" kern="1200" dirty="0" smtClean="0">
-                <a:solidFill>
-                  <a:schemeClr val="tx1"/>
-                </a:solidFill>
-                <a:effectLst/>
-                <a:latin typeface="+mn-lt"/>
-                <a:ea typeface="+mn-ea"/>
-                <a:cs typeface="+mn-cs"/>
-              </a:rPr>
-              <a:t>array</a:t>
-            </a:r>
-            <a:r>
-              <a:rPr lang="en-US" altLang="zh-TW" sz="1200" b="0" i="0" kern="1200" baseline="0" dirty="0" smtClean="0">
-                <a:solidFill>
-                  <a:schemeClr val="tx1"/>
-                </a:solidFill>
-                <a:effectLst/>
-                <a:latin typeface="+mn-lt"/>
-                <a:ea typeface="+mn-ea"/>
-                <a:cs typeface="+mn-cs"/>
-              </a:rPr>
-              <a:t> =&gt; </a:t>
-            </a:r>
-            <a:r>
-              <a:rPr lang="en-US" altLang="zh-TW" sz="1200" b="0" i="0" kern="1200" dirty="0" smtClean="0">
-                <a:solidFill>
-                  <a:schemeClr val="tx1"/>
-                </a:solidFill>
-                <a:effectLst/>
-                <a:latin typeface="+mn-lt"/>
-                <a:ea typeface="+mn-ea"/>
-                <a:cs typeface="+mn-cs"/>
-              </a:rPr>
-              <a:t>string</a:t>
-            </a:r>
-            <a:r>
-              <a:rPr lang="zh-TW" altLang="en-US" sz="1200" b="0" i="0" kern="1200" dirty="0" smtClean="0">
-                <a:solidFill>
-                  <a:schemeClr val="tx1"/>
-                </a:solidFill>
-                <a:effectLst/>
-                <a:latin typeface="+mn-lt"/>
-                <a:ea typeface="+mn-ea"/>
-                <a:cs typeface="+mn-cs"/>
-              </a:rPr>
-              <a:t>與 </a:t>
-            </a:r>
-            <a:r>
-              <a:rPr lang="en-US" altLang="zh-TW" sz="1200" b="0" i="0" kern="1200" dirty="0" err="1" smtClean="0">
-                <a:solidFill>
-                  <a:schemeClr val="tx1"/>
-                </a:solidFill>
-                <a:effectLst/>
-                <a:latin typeface="+mn-lt"/>
-                <a:ea typeface="+mn-ea"/>
-                <a:cs typeface="+mn-cs"/>
-              </a:rPr>
-              <a:t>int</a:t>
-            </a:r>
-            <a:r>
-              <a:rPr lang="zh-TW" altLang="en-US" sz="1200" b="0" i="0" kern="1200" dirty="0" smtClean="0">
-                <a:solidFill>
-                  <a:schemeClr val="tx1"/>
-                </a:solidFill>
-                <a:effectLst/>
-                <a:latin typeface="+mn-lt"/>
-                <a:ea typeface="+mn-ea"/>
-                <a:cs typeface="+mn-cs"/>
-              </a:rPr>
-              <a:t>：轉成陣列的第一個元素</a:t>
-            </a:r>
-            <a:endParaRPr lang="en-US" altLang="zh-TW" sz="1200" b="0" i="0" kern="1200" dirty="0" smtClean="0">
-              <a:solidFill>
-                <a:schemeClr val="tx1"/>
-              </a:solidFill>
-              <a:effectLst/>
-              <a:latin typeface="+mn-lt"/>
-              <a:ea typeface="+mn-ea"/>
-              <a:cs typeface="+mn-cs"/>
-            </a:endParaRPr>
-          </a:p>
-          <a:p>
-            <a:r>
-              <a:rPr lang="en-US" altLang="zh-TW" sz="1200" b="0" i="0" kern="1200" baseline="0" dirty="0" smtClean="0">
-                <a:solidFill>
-                  <a:schemeClr val="tx1"/>
-                </a:solidFill>
-                <a:effectLst/>
-                <a:latin typeface="+mn-lt"/>
-                <a:ea typeface="+mn-ea"/>
-                <a:cs typeface="+mn-cs"/>
-              </a:rPr>
-              <a:t>                       =&gt; </a:t>
-            </a:r>
-            <a:r>
-              <a:rPr lang="en-US" altLang="zh-TW" sz="1200" b="0" i="0" kern="1200" dirty="0" smtClean="0">
-                <a:solidFill>
-                  <a:schemeClr val="tx1"/>
-                </a:solidFill>
-                <a:effectLst/>
-                <a:latin typeface="+mn-lt"/>
-                <a:ea typeface="+mn-ea"/>
-                <a:cs typeface="+mn-cs"/>
-              </a:rPr>
-              <a:t>object </a:t>
-            </a:r>
-            <a:r>
-              <a:rPr lang="zh-TW" altLang="en-US" sz="1200" b="0" i="0" kern="1200" dirty="0" smtClean="0">
-                <a:solidFill>
-                  <a:schemeClr val="tx1"/>
-                </a:solidFill>
-                <a:effectLst/>
-                <a:latin typeface="+mn-lt"/>
-                <a:ea typeface="+mn-ea"/>
-                <a:cs typeface="+mn-cs"/>
-              </a:rPr>
-              <a:t>：取出所有的 </a:t>
-            </a:r>
-            <a:r>
-              <a:rPr lang="en-US" altLang="zh-TW" sz="1200" b="0" i="0" kern="1200" dirty="0" smtClean="0">
-                <a:solidFill>
-                  <a:schemeClr val="tx1"/>
-                </a:solidFill>
-                <a:effectLst/>
-                <a:latin typeface="+mn-lt"/>
-                <a:ea typeface="+mn-ea"/>
-                <a:cs typeface="+mn-cs"/>
-              </a:rPr>
-              <a:t>property(</a:t>
-            </a:r>
-            <a:r>
-              <a:rPr lang="zh-TW" altLang="en-US" sz="1200" b="0" i="0" kern="1200" dirty="0" smtClean="0">
-                <a:solidFill>
-                  <a:schemeClr val="tx1"/>
-                </a:solidFill>
-                <a:effectLst/>
-                <a:latin typeface="+mn-lt"/>
-                <a:ea typeface="+mn-ea"/>
-                <a:cs typeface="+mn-cs"/>
-              </a:rPr>
-              <a:t> </a:t>
-            </a:r>
-            <a:r>
-              <a:rPr lang="en-US" altLang="zh-TW" sz="1200" b="0" i="0" kern="1200" dirty="0" smtClean="0">
-                <a:solidFill>
-                  <a:schemeClr val="tx1"/>
-                </a:solidFill>
-                <a:effectLst/>
-                <a:latin typeface="+mn-lt"/>
-                <a:ea typeface="+mn-ea"/>
-                <a:cs typeface="+mn-cs"/>
-              </a:rPr>
-              <a:t>protected </a:t>
-            </a:r>
-            <a:r>
-              <a:rPr lang="zh-TW" altLang="en-US" sz="1200" b="0" i="0" kern="1200" dirty="0" smtClean="0">
-                <a:solidFill>
-                  <a:schemeClr val="tx1"/>
-                </a:solidFill>
-                <a:effectLst/>
-                <a:latin typeface="+mn-lt"/>
-                <a:ea typeface="+mn-ea"/>
-                <a:cs typeface="+mn-cs"/>
-              </a:rPr>
-              <a:t>會被取出來）</a:t>
-            </a:r>
+              <a:rPr lang="zh-TW" altLang="en-US" dirty="0" smtClean="0"/>
+              <a:t>直接判斷值是否正確</a:t>
+            </a:r>
+            <a:endParaRPr lang="en-US" altLang="zh-TW" dirty="0" smtClean="0"/>
+          </a:p>
+          <a:p>
+            <a:r>
+              <a:rPr lang="en-US" altLang="zh-TW" dirty="0" smtClean="0"/>
+              <a:t>==</a:t>
+            </a:r>
+            <a:r>
+              <a:rPr lang="zh-TW" altLang="en-US" dirty="0" smtClean="0"/>
+              <a:t>：值相同</a:t>
+            </a:r>
+            <a:r>
+              <a:rPr lang="en-US" altLang="zh-TW" dirty="0" smtClean="0"/>
+              <a:t/>
+            </a:r>
+            <a:br>
+              <a:rPr lang="en-US" altLang="zh-TW" dirty="0" smtClean="0"/>
+            </a:br>
+            <a:r>
+              <a:rPr lang="en-US" altLang="zh-TW" dirty="0" smtClean="0"/>
+              <a:t>===</a:t>
+            </a:r>
+            <a:r>
+              <a:rPr lang="zh-TW" altLang="en-US" dirty="0" smtClean="0"/>
+              <a:t>：值相同，類型也相同</a:t>
+            </a:r>
+            <a:r>
+              <a:rPr lang="en-US" altLang="zh-TW" dirty="0" smtClean="0"/>
+              <a:t/>
+            </a:r>
+            <a:br>
+              <a:rPr lang="en-US" altLang="zh-TW" dirty="0" smtClean="0"/>
+            </a:br>
             <a:endParaRPr lang="zh-TW" altLang="en-US" dirty="0"/>
           </a:p>
         </p:txBody>
@@ -3222,7 +3341,7 @@
           <a:p>
             <a:fld id="{98D2CAF3-3D5A-45A3-B3B5-CAECC52DE887}" type="slidenum">
               <a:rPr lang="zh-TW" altLang="en-US" smtClean="0"/>
-              <a:t>12</a:t>
+              <a:t>11</a:t>
             </a:fld>
             <a:endParaRPr lang="zh-TW" altLang="en-US"/>
           </a:p>
@@ -3231,7 +3350,7 @@
     </p:spTree>
     <p:extLst>
       <p:ext uri="{BB962C8B-B14F-4D97-AF65-F5344CB8AC3E}">
-        <p14:creationId xmlns:p14="http://schemas.microsoft.com/office/powerpoint/2010/main" val="489249664"/>
+        <p14:creationId xmlns:p14="http://schemas.microsoft.com/office/powerpoint/2010/main" val="2018585459"/>
       </p:ext>
     </p:extLst>
   </p:cSld>
@@ -7189,7 +7308,7 @@
           <p:nvPr/>
         </p:nvPicPr>
         <p:blipFill>
-          <a:blip r:embed="rId2">
+          <a:blip r:embed="rId3">
             <a:extLst>
               <a:ext uri="{28A0092B-C50C-407E-A947-70E740481C1C}">
                 <a14:useLocalDpi xmlns:a14="http://schemas.microsoft.com/office/drawing/2010/main" val="0"/>
@@ -7449,7 +7568,7 @@
                 <a:latin typeface="FangSong" pitchFamily="49" charset="-122"/>
                 <a:ea typeface="FangSong" pitchFamily="49" charset="-122"/>
               </a:rPr>
-              <a:t>- “==”</a:t>
+              <a:t>-“==”</a:t>
             </a:r>
             <a:r>
               <a:rPr lang="zh-TW" altLang="en-US" sz="4000" b="1" dirty="0" smtClean="0">
@@ -7473,19 +7592,19 @@
                 <a:latin typeface="FangSong" pitchFamily="49" charset="-122"/>
                 <a:ea typeface="FangSong" pitchFamily="49" charset="-122"/>
               </a:rPr>
-              <a:t>vs</a:t>
-            </a:r>
-            <a:r>
-              <a:rPr lang="en-US" altLang="zh-TW" sz="4000" b="1" dirty="0" smtClean="0">
-                <a:solidFill>
-                  <a:schemeClr val="accent6">
-                    <a:lumMod val="75000"/>
-                  </a:schemeClr>
-                </a:solidFill>
-                <a:latin typeface="FangSong" pitchFamily="49" charset="-122"/>
-                <a:ea typeface="FangSong" pitchFamily="49" charset="-122"/>
-              </a:rPr>
-              <a:t> “===”</a:t>
+              <a:t>v.s</a:t>
+            </a:r>
+            <a:r>
+              <a:rPr lang="en-US" altLang="zh-TW" sz="4000" b="1" smtClean="0">
+                <a:solidFill>
+                  <a:schemeClr val="accent6">
+                    <a:lumMod val="75000"/>
+                  </a:schemeClr>
+                </a:solidFill>
+                <a:latin typeface="FangSong" pitchFamily="49" charset="-122"/>
+                <a:ea typeface="FangSong" pitchFamily="49" charset="-122"/>
+              </a:rPr>
+              <a:t>.“===”</a:t>
             </a:r>
             <a:endParaRPr lang="en-US" altLang="zh-TW" sz="4000" b="1" dirty="0">
               <a:solidFill>
@@ -9404,7 +9523,31 @@
                 <a:latin typeface="FangSong" pitchFamily="49" charset="-122"/>
                 <a:ea typeface="FangSong" pitchFamily="49" charset="-122"/>
               </a:rPr>
-              <a:t>個人覺得如果</a:t>
+              <a:t>個人覺得如果我們相信使用</a:t>
+            </a:r>
+            <a:r>
+              <a:rPr lang="zh-TW" altLang="en-US" sz="3600" b="1" dirty="0">
+                <a:solidFill>
+                  <a:schemeClr val="accent6">
+                    <a:lumMod val="75000"/>
+                  </a:schemeClr>
+                </a:solidFill>
+                <a:latin typeface="FangSong" pitchFamily="49" charset="-122"/>
+                <a:ea typeface="FangSong" pitchFamily="49" charset="-122"/>
+              </a:rPr>
+              <a:t>者的話</a:t>
+            </a:r>
+            <a:r>
+              <a:rPr lang="en-US" altLang="zh-TW" sz="3600" b="1" dirty="0" smtClean="0">
+                <a:solidFill>
+                  <a:schemeClr val="accent6">
+                    <a:lumMod val="75000"/>
+                  </a:schemeClr>
+                </a:solidFill>
+                <a:latin typeface="FangSong" pitchFamily="49" charset="-122"/>
+                <a:ea typeface="FangSong" pitchFamily="49" charset="-122"/>
+              </a:rPr>
+              <a:t>(ex</a:t>
             </a:r>
             <a:r>
               <a:rPr lang="zh-TW" altLang="en-US" sz="3600" b="1" dirty="0" smtClean="0">
@@ -9416,7 +9559,7 @@
                 <a:latin typeface="FangSong" pitchFamily="49" charset="-122"/>
                 <a:ea typeface="FangSong" pitchFamily="49" charset="-122"/>
               </a:rPr>
-              <a:t>我們相信使用</a:t>
+              <a:t>：</a:t>
             </a:r>
             <a:r>
               <a:rPr lang="zh-TW" altLang="en-US" sz="3600" b="1" dirty="0">
@@ -9428,7 +9571,19 @@
                 <a:latin typeface="FangSong" pitchFamily="49" charset="-122"/>
                 <a:ea typeface="FangSong" pitchFamily="49" charset="-122"/>
               </a:rPr>
-              <a:t>者的話</a:t>
+              <a:t>公司</a:t>
+            </a:r>
+            <a:r>
+              <a:rPr lang="zh-TW" altLang="en-US" sz="3600" b="1" dirty="0" smtClean="0">
+                <a:solidFill>
+                  <a:schemeClr val="accent6">
+                    <a:lumMod val="75000"/>
+                  </a:schemeClr>
+                </a:solidFill>
+                <a:latin typeface="FangSong" pitchFamily="49" charset="-122"/>
+                <a:ea typeface="FangSong" pitchFamily="49" charset="-122"/>
+              </a:rPr>
+              <a:t>內部系統</a:t>
             </a:r>
             <a:r>
               <a:rPr lang="en-US" altLang="zh-TW" sz="3600" b="1" dirty="0" smtClean="0">
@@ -9440,19 +9595,7 @@
                 <a:latin typeface="FangSong" pitchFamily="49" charset="-122"/>
                 <a:ea typeface="FangSong" pitchFamily="49" charset="-122"/>
               </a:rPr>
-              <a:t>(</a:t>
-            </a:r>
-            <a:r>
-              <a:rPr lang="en-US" altLang="zh-TW" sz="3600" b="1" dirty="0" smtClean="0">
-                <a:solidFill>
-                  <a:schemeClr val="accent6">
-                    <a:lumMod val="75000"/>
-                  </a:schemeClr>
-                </a:solidFill>
-                <a:latin typeface="FangSong" pitchFamily="49" charset="-122"/>
-                <a:ea typeface="FangSong" pitchFamily="49" charset="-122"/>
-              </a:rPr>
-              <a:t>ex</a:t>
+              <a:t>)</a:t>
             </a:r>
             <a:r>
               <a:rPr lang="zh-TW" altLang="en-US" sz="3600" b="1" dirty="0" smtClean="0">
@@ -9464,79 +9607,7 @@
                 <a:latin typeface="FangSong" pitchFamily="49" charset="-122"/>
                 <a:ea typeface="FangSong" pitchFamily="49" charset="-122"/>
               </a:rPr>
-              <a:t>：</a:t>
-            </a:r>
-            <a:r>
-              <a:rPr lang="zh-TW" altLang="en-US" sz="3600" b="1" dirty="0">
-                <a:solidFill>
-                  <a:schemeClr val="accent6">
-                    <a:lumMod val="75000"/>
-                  </a:schemeClr>
-                </a:solidFill>
-                <a:latin typeface="FangSong" pitchFamily="49" charset="-122"/>
-                <a:ea typeface="FangSong" pitchFamily="49" charset="-122"/>
-              </a:rPr>
-              <a:t>公司</a:t>
-            </a:r>
-            <a:r>
-              <a:rPr lang="zh-TW" altLang="en-US" sz="3600" b="1" dirty="0" smtClean="0">
-                <a:solidFill>
-                  <a:schemeClr val="accent6">
-                    <a:lumMod val="75000"/>
-                  </a:schemeClr>
-                </a:solidFill>
-                <a:latin typeface="FangSong" pitchFamily="49" charset="-122"/>
-                <a:ea typeface="FangSong" pitchFamily="49" charset="-122"/>
-              </a:rPr>
-              <a:t>內部系統</a:t>
-            </a:r>
-            <a:r>
-              <a:rPr lang="en-US" altLang="zh-TW" sz="3600" b="1" dirty="0" smtClean="0">
-                <a:solidFill>
-                  <a:schemeClr val="accent6">
-                    <a:lumMod val="75000"/>
-                  </a:schemeClr>
-                </a:solidFill>
-                <a:latin typeface="FangSong" pitchFamily="49" charset="-122"/>
-                <a:ea typeface="FangSong" pitchFamily="49" charset="-122"/>
-              </a:rPr>
-              <a:t>)</a:t>
-            </a:r>
-            <a:r>
-              <a:rPr lang="zh-TW" altLang="en-US" sz="3600" b="1" dirty="0" smtClean="0">
-                <a:solidFill>
-                  <a:schemeClr val="accent6">
-                    <a:lumMod val="75000"/>
-                  </a:schemeClr>
-                </a:solidFill>
-                <a:latin typeface="FangSong" pitchFamily="49" charset="-122"/>
-                <a:ea typeface="FangSong" pitchFamily="49" charset="-122"/>
-              </a:rPr>
-              <a:t>，其實</a:t>
-            </a:r>
-            <a:r>
-              <a:rPr lang="zh-TW" altLang="en-US" sz="3600" b="1" dirty="0" smtClean="0">
-                <a:solidFill>
-                  <a:schemeClr val="accent6">
-                    <a:lumMod val="75000"/>
-                  </a:schemeClr>
-                </a:solidFill>
-                <a:latin typeface="FangSong" pitchFamily="49" charset="-122"/>
-                <a:ea typeface="FangSong" pitchFamily="49" charset="-122"/>
-              </a:rPr>
-              <a:t>不一定需要</a:t>
-            </a:r>
-            <a:r>
-              <a:rPr lang="zh-TW" altLang="en-US" sz="3600" b="1" dirty="0" smtClean="0">
-                <a:solidFill>
-                  <a:schemeClr val="accent6">
-                    <a:lumMod val="75000"/>
-                  </a:schemeClr>
-                </a:solidFill>
-                <a:latin typeface="FangSong" pitchFamily="49" charset="-122"/>
-                <a:ea typeface="FangSong" pitchFamily="49" charset="-122"/>
-              </a:rPr>
-              <a:t>使用到防禦型程式</a:t>
+              <a:t>，其實不一定需要使用到防禦型程式</a:t>
             </a:r>
             <a:endParaRPr lang="en-US" altLang="zh-TW" sz="3600" b="1" dirty="0" smtClean="0">
               <a:solidFill>
@@ -9570,7 +9641,19 @@
                 <a:latin typeface="FangSong" pitchFamily="49" charset="-122"/>
                 <a:ea typeface="FangSong" pitchFamily="49" charset="-122"/>
               </a:rPr>
-              <a:t>如果</a:t>
+              <a:t>如果使用者是不能信任的對象，個人認為</a:t>
+            </a:r>
+            <a:r>
+              <a:rPr lang="zh-TW" altLang="en-US" sz="3600" b="1" dirty="0">
+                <a:solidFill>
+                  <a:schemeClr val="accent6">
+                    <a:lumMod val="75000"/>
+                  </a:schemeClr>
+                </a:solidFill>
+                <a:latin typeface="FangSong" pitchFamily="49" charset="-122"/>
+                <a:ea typeface="FangSong" pitchFamily="49" charset="-122"/>
+              </a:rPr>
+              <a:t>防禦型</a:t>
             </a:r>
             <a:r>
               <a:rPr lang="zh-TW" altLang="en-US" sz="3600" b="1" dirty="0" smtClean="0">
@@ -9582,42 +9665,6 @@
                 <a:latin typeface="FangSong" pitchFamily="49" charset="-122"/>
                 <a:ea typeface="FangSong" pitchFamily="49" charset="-122"/>
               </a:rPr>
-              <a:t>使用者是</a:t>
-            </a:r>
-            <a:r>
-              <a:rPr lang="zh-TW" altLang="en-US" sz="3600" b="1" dirty="0" smtClean="0">
-                <a:solidFill>
-                  <a:schemeClr val="accent6">
-                    <a:lumMod val="75000"/>
-                  </a:schemeClr>
-                </a:solidFill>
-                <a:latin typeface="FangSong" pitchFamily="49" charset="-122"/>
-                <a:ea typeface="FangSong" pitchFamily="49" charset="-122"/>
-              </a:rPr>
-              <a:t>不能信任的對象，個人認為</a:t>
-            </a:r>
-            <a:r>
-              <a:rPr lang="zh-TW" altLang="en-US" sz="3600" b="1" dirty="0">
-                <a:solidFill>
-                  <a:schemeClr val="accent6">
-                    <a:lumMod val="75000"/>
-                  </a:schemeClr>
-                </a:solidFill>
-                <a:latin typeface="FangSong" pitchFamily="49" charset="-122"/>
-                <a:ea typeface="FangSong" pitchFamily="49" charset="-122"/>
-              </a:rPr>
-              <a:t>防禦型</a:t>
-            </a:r>
-            <a:r>
-              <a:rPr lang="zh-TW" altLang="en-US" sz="3600" b="1" dirty="0" smtClean="0">
-                <a:solidFill>
-                  <a:schemeClr val="accent6">
-                    <a:lumMod val="75000"/>
-                  </a:schemeClr>
-                </a:solidFill>
-                <a:latin typeface="FangSong" pitchFamily="49" charset="-122"/>
-                <a:ea typeface="FangSong" pitchFamily="49" charset="-122"/>
-              </a:rPr>
               <a:t>程式則是要</a:t>
             </a:r>
             <a:r>
@@ -9630,19 +9677,7 @@
                 <a:latin typeface="FangSong" pitchFamily="49" charset="-122"/>
                 <a:ea typeface="FangSong" pitchFamily="49" charset="-122"/>
               </a:rPr>
-              <a:t>斟酌</a:t>
-            </a:r>
-            <a:r>
-              <a:rPr lang="zh-TW" altLang="en-US" sz="3600" b="1" smtClean="0">
-                <a:solidFill>
-                  <a:schemeClr val="accent6">
-                    <a:lumMod val="75000"/>
-                  </a:schemeClr>
-                </a:solidFill>
-                <a:latin typeface="FangSong" pitchFamily="49" charset="-122"/>
-                <a:ea typeface="FangSong" pitchFamily="49" charset="-122"/>
-              </a:rPr>
-              <a:t>使用。</a:t>
+              <a:t>斟酌使用。</a:t>
             </a:r>
             <a:endParaRPr lang="en-US" altLang="zh-TW" sz="3600" b="1" dirty="0">
               <a:solidFill>
@@ -12027,6 +12062,18 @@
                 <a:ea typeface="FangSong" pitchFamily="49" charset="-122"/>
               </a:rPr>
               <a:t>預設值</a:t>
+            </a:r>
+            <a:r>
+              <a:rPr lang="en-US" altLang="zh-TW" sz="4000" b="1" dirty="0" smtClean="0">
+                <a:solidFill>
+                  <a:schemeClr val="accent6">
+                    <a:lumMod val="75000"/>
+                  </a:schemeClr>
+                </a:solidFill>
+                <a:latin typeface="FangSong" pitchFamily="49" charset="-122"/>
+                <a:ea typeface="FangSong" pitchFamily="49" charset="-122"/>
+              </a:rPr>
+              <a:t>(null)</a:t>
             </a:r>
             <a:endParaRPr lang="en-US" altLang="zh-TW" sz="4000" b="1" dirty="0" smtClean="0">
               <a:solidFill>
